--- a/docs/poster.pptx
+++ b/docs/poster.pptx
@@ -227,7 +227,7 @@
           <a:p>
             <a:fld id="{72259E12-D1CF-4E7E-9349-EEA5D68448B2}" type="datetimeFigureOut">
               <a:rPr lang="en-US" smtClean="0"/>
-              <a:t>9/3/2025</a:t>
+              <a:t>9/17/2025</a:t>
             </a:fld>
             <a:endParaRPr lang="en-US"/>
           </a:p>
@@ -758,7 +758,7 @@
             <a:fld id="{1D8BD707-D9CF-40AE-B4C6-C98DA3205C09}" type="datetimeFigureOut">
               <a:rPr lang="en-US" smtClean="0"/>
               <a:pPr/>
-              <a:t>9/3/2025</a:t>
+              <a:t>9/17/2025</a:t>
             </a:fld>
             <a:endParaRPr lang="en-US"/>
           </a:p>
@@ -923,7 +923,7 @@
             <a:fld id="{1D8BD707-D9CF-40AE-B4C6-C98DA3205C09}" type="datetimeFigureOut">
               <a:rPr lang="en-US" smtClean="0"/>
               <a:pPr/>
-              <a:t>9/3/2025</a:t>
+              <a:t>9/17/2025</a:t>
             </a:fld>
             <a:endParaRPr lang="en-US"/>
           </a:p>
@@ -1098,7 +1098,7 @@
             <a:fld id="{1D8BD707-D9CF-40AE-B4C6-C98DA3205C09}" type="datetimeFigureOut">
               <a:rPr lang="en-US" smtClean="0"/>
               <a:pPr/>
-              <a:t>9/3/2025</a:t>
+              <a:t>9/17/2025</a:t>
             </a:fld>
             <a:endParaRPr lang="en-US"/>
           </a:p>
@@ -1263,7 +1263,7 @@
             <a:fld id="{1D8BD707-D9CF-40AE-B4C6-C98DA3205C09}" type="datetimeFigureOut">
               <a:rPr lang="en-US" smtClean="0"/>
               <a:pPr/>
-              <a:t>9/3/2025</a:t>
+              <a:t>9/17/2025</a:t>
             </a:fld>
             <a:endParaRPr lang="en-US"/>
           </a:p>
@@ -1505,7 +1505,7 @@
             <a:fld id="{1D8BD707-D9CF-40AE-B4C6-C98DA3205C09}" type="datetimeFigureOut">
               <a:rPr lang="en-US" smtClean="0"/>
               <a:pPr/>
-              <a:t>9/3/2025</a:t>
+              <a:t>9/17/2025</a:t>
             </a:fld>
             <a:endParaRPr lang="en-US"/>
           </a:p>
@@ -1787,7 +1787,7 @@
             <a:fld id="{1D8BD707-D9CF-40AE-B4C6-C98DA3205C09}" type="datetimeFigureOut">
               <a:rPr lang="en-US" smtClean="0"/>
               <a:pPr/>
-              <a:t>9/3/2025</a:t>
+              <a:t>9/17/2025</a:t>
             </a:fld>
             <a:endParaRPr lang="en-US"/>
           </a:p>
@@ -2203,7 +2203,7 @@
             <a:fld id="{1D8BD707-D9CF-40AE-B4C6-C98DA3205C09}" type="datetimeFigureOut">
               <a:rPr lang="en-US" smtClean="0"/>
               <a:pPr/>
-              <a:t>9/3/2025</a:t>
+              <a:t>9/17/2025</a:t>
             </a:fld>
             <a:endParaRPr lang="en-US"/>
           </a:p>
@@ -2317,7 +2317,7 @@
             <a:fld id="{1D8BD707-D9CF-40AE-B4C6-C98DA3205C09}" type="datetimeFigureOut">
               <a:rPr lang="en-US" smtClean="0"/>
               <a:pPr/>
-              <a:t>9/3/2025</a:t>
+              <a:t>9/17/2025</a:t>
             </a:fld>
             <a:endParaRPr lang="en-US"/>
           </a:p>
@@ -2409,7 +2409,7 @@
             <a:fld id="{1D8BD707-D9CF-40AE-B4C6-C98DA3205C09}" type="datetimeFigureOut">
               <a:rPr lang="en-US" smtClean="0"/>
               <a:pPr/>
-              <a:t>9/3/2025</a:t>
+              <a:t>9/17/2025</a:t>
             </a:fld>
             <a:endParaRPr lang="en-US"/>
           </a:p>
@@ -2681,7 +2681,7 @@
             <a:fld id="{1D8BD707-D9CF-40AE-B4C6-C98DA3205C09}" type="datetimeFigureOut">
               <a:rPr lang="en-US" smtClean="0"/>
               <a:pPr/>
-              <a:t>9/3/2025</a:t>
+              <a:t>9/17/2025</a:t>
             </a:fld>
             <a:endParaRPr lang="en-US"/>
           </a:p>
@@ -2930,7 +2930,7 @@
             <a:fld id="{1D8BD707-D9CF-40AE-B4C6-C98DA3205C09}" type="datetimeFigureOut">
               <a:rPr lang="en-US" smtClean="0"/>
               <a:pPr/>
-              <a:t>9/3/2025</a:t>
+              <a:t>9/17/2025</a:t>
             </a:fld>
             <a:endParaRPr lang="en-US"/>
           </a:p>
@@ -3138,7 +3138,7 @@
             <a:fld id="{1D8BD707-D9CF-40AE-B4C6-C98DA3205C09}" type="datetimeFigureOut">
               <a:rPr lang="en-US" smtClean="0"/>
               <a:pPr/>
-              <a:t>9/3/2025</a:t>
+              <a:t>9/17/2025</a:t>
             </a:fld>
             <a:endParaRPr lang="en-US"/>
           </a:p>
@@ -3511,111 +3511,6 @@
       </p:grpSpPr>
       <p:sp>
         <p:nvSpPr>
-          <p:cNvPr id="58" name="Arrow: Pentagon 57">
-            <a:extLst>
-              <a:ext uri="{FF2B5EF4-FFF2-40B4-BE49-F238E27FC236}">
-                <a16:creationId xmlns:a16="http://schemas.microsoft.com/office/drawing/2014/main" id="{31F61B70-2A74-55A7-DD23-B7A6BA440A0C}"/>
-              </a:ext>
-            </a:extLst>
-          </p:cNvPr>
-          <p:cNvSpPr/>
-          <p:nvPr/>
-        </p:nvSpPr>
-        <p:spPr>
-          <a:xfrm>
-            <a:off x="392800" y="24127143"/>
-            <a:ext cx="11226080" cy="4136251"/>
-          </a:xfrm>
-          <a:prstGeom prst="homePlate">
-            <a:avLst/>
-          </a:prstGeom>
-          <a:noFill/>
-          <a:ln w="19050">
-            <a:solidFill>
-              <a:schemeClr val="tx2"/>
-            </a:solidFill>
-          </a:ln>
-        </p:spPr>
-        <p:style>
-          <a:lnRef idx="2">
-            <a:schemeClr val="accent1">
-              <a:shade val="15000"/>
-            </a:schemeClr>
-          </a:lnRef>
-          <a:fillRef idx="1">
-            <a:schemeClr val="accent1"/>
-          </a:fillRef>
-          <a:effectRef idx="0">
-            <a:schemeClr val="accent1"/>
-          </a:effectRef>
-          <a:fontRef idx="minor">
-            <a:schemeClr val="lt1"/>
-          </a:fontRef>
-        </p:style>
-        <p:txBody>
-          <a:bodyPr rtlCol="0" anchor="ctr"/>
-          <a:lstStyle/>
-          <a:p>
-            <a:pPr algn="ctr"/>
-            <a:endParaRPr lang="en-US"/>
-          </a:p>
-        </p:txBody>
-      </p:sp>
-      <p:sp>
-        <p:nvSpPr>
-          <p:cNvPr id="17" name="Freeform 17"/>
-          <p:cNvSpPr/>
-          <p:nvPr/>
-        </p:nvSpPr>
-        <p:spPr>
-          <a:xfrm>
-            <a:off x="7341770" y="12389019"/>
-            <a:ext cx="8284190" cy="12274596"/>
-          </a:xfrm>
-          <a:custGeom>
-            <a:avLst/>
-            <a:gdLst/>
-            <a:ahLst/>
-            <a:cxnLst/>
-            <a:rect l="l" t="t" r="r" b="b"/>
-            <a:pathLst>
-              <a:path w="7790436" h="11642132">
-                <a:moveTo>
-                  <a:pt x="0" y="0"/>
-                </a:moveTo>
-                <a:lnTo>
-                  <a:pt x="7790435" y="0"/>
-                </a:lnTo>
-                <a:lnTo>
-                  <a:pt x="7790435" y="11642132"/>
-                </a:lnTo>
-                <a:lnTo>
-                  <a:pt x="0" y="11642132"/>
-                </a:lnTo>
-                <a:lnTo>
-                  <a:pt x="0" y="0"/>
-                </a:lnTo>
-                <a:close/>
-              </a:path>
-            </a:pathLst>
-          </a:custGeom>
-          <a:blipFill>
-            <a:blip r:embed="rId3"/>
-            <a:stretch>
-              <a:fillRect/>
-            </a:stretch>
-          </a:blipFill>
-        </p:spPr>
-        <p:txBody>
-          <a:bodyPr/>
-          <a:lstStyle/>
-          <a:p>
-            <a:endParaRPr lang="en-US" dirty="0"/>
-          </a:p>
-        </p:txBody>
-      </p:sp>
-      <p:sp>
-        <p:nvSpPr>
           <p:cNvPr id="56" name="Rectangle: Diagonal Corners Rounded 55">
             <a:extLst>
               <a:ext uri="{FF2B5EF4-FFF2-40B4-BE49-F238E27FC236}">
@@ -3628,7 +3523,7 @@
         </p:nvSpPr>
         <p:spPr>
           <a:xfrm>
-            <a:off x="12863886" y="24394048"/>
+            <a:off x="8137663" y="24211428"/>
             <a:ext cx="8117413" cy="3869346"/>
           </a:xfrm>
           <a:prstGeom prst="round2DiagRect">
@@ -3685,7 +3580,7 @@
         </p:nvSpPr>
         <p:spPr>
           <a:xfrm>
-            <a:off x="15460177" y="12014926"/>
+            <a:off x="948436" y="13076254"/>
             <a:ext cx="5367154" cy="3713583"/>
           </a:xfrm>
           <a:prstGeom prst="roundRect">
@@ -3835,100 +3730,6 @@
       </p:sp>
       <p:sp>
         <p:nvSpPr>
-          <p:cNvPr id="26" name="Rectangle: Diagonal Corners Snipped 25">
-            <a:extLst>
-              <a:ext uri="{FF2B5EF4-FFF2-40B4-BE49-F238E27FC236}">
-                <a16:creationId xmlns:a16="http://schemas.microsoft.com/office/drawing/2014/main" id="{EF5C53CE-3F12-B727-E2A9-1BA02BFF9CDC}"/>
-              </a:ext>
-            </a:extLst>
-          </p:cNvPr>
-          <p:cNvSpPr/>
-          <p:nvPr/>
-        </p:nvSpPr>
-        <p:spPr>
-          <a:xfrm>
-            <a:off x="10967808" y="6981440"/>
-            <a:ext cx="9859523" cy="4118249"/>
-          </a:xfrm>
-          <a:prstGeom prst="snip2DiagRect">
-            <a:avLst>
-              <a:gd name="adj1" fmla="val 26644"/>
-              <a:gd name="adj2" fmla="val 384"/>
-            </a:avLst>
-          </a:prstGeom>
-        </p:spPr>
-        <p:style>
-          <a:lnRef idx="1">
-            <a:schemeClr val="accent6"/>
-          </a:lnRef>
-          <a:fillRef idx="2">
-            <a:schemeClr val="accent6"/>
-          </a:fillRef>
-          <a:effectRef idx="1">
-            <a:schemeClr val="accent6"/>
-          </a:effectRef>
-          <a:fontRef idx="minor">
-            <a:schemeClr val="dk1"/>
-          </a:fontRef>
-        </p:style>
-        <p:txBody>
-          <a:bodyPr rtlCol="0" anchor="ctr"/>
-          <a:lstStyle/>
-          <a:p>
-            <a:pPr algn="ctr"/>
-            <a:endParaRPr lang="en-US" dirty="0"/>
-          </a:p>
-        </p:txBody>
-      </p:sp>
-      <p:sp>
-        <p:nvSpPr>
-          <p:cNvPr id="23" name="Rectangle: Diagonal Corners Snipped 22">
-            <a:extLst>
-              <a:ext uri="{FF2B5EF4-FFF2-40B4-BE49-F238E27FC236}">
-                <a16:creationId xmlns:a16="http://schemas.microsoft.com/office/drawing/2014/main" id="{D864B14E-3E3C-EB35-6B3B-6F79578903D9}"/>
-              </a:ext>
-            </a:extLst>
-          </p:cNvPr>
-          <p:cNvSpPr/>
-          <p:nvPr/>
-        </p:nvSpPr>
-        <p:spPr>
-          <a:xfrm>
-            <a:off x="680469" y="6981440"/>
-            <a:ext cx="9859523" cy="4118249"/>
-          </a:xfrm>
-          <a:prstGeom prst="snip2DiagRect">
-            <a:avLst>
-              <a:gd name="adj1" fmla="val 0"/>
-              <a:gd name="adj2" fmla="val 26289"/>
-            </a:avLst>
-          </a:prstGeom>
-        </p:spPr>
-        <p:style>
-          <a:lnRef idx="1">
-            <a:schemeClr val="accent6"/>
-          </a:lnRef>
-          <a:fillRef idx="2">
-            <a:schemeClr val="accent6"/>
-          </a:fillRef>
-          <a:effectRef idx="1">
-            <a:schemeClr val="accent6"/>
-          </a:effectRef>
-          <a:fontRef idx="minor">
-            <a:schemeClr val="dk1"/>
-          </a:fontRef>
-        </p:style>
-        <p:txBody>
-          <a:bodyPr rtlCol="0" anchor="ctr"/>
-          <a:lstStyle/>
-          <a:p>
-            <a:pPr algn="ctr"/>
-            <a:endParaRPr lang="en-US"/>
-          </a:p>
-        </p:txBody>
-      </p:sp>
-      <p:sp>
-        <p:nvSpPr>
           <p:cNvPr id="2" name="Freeform 2"/>
           <p:cNvSpPr/>
           <p:nvPr/>
@@ -3966,7 +3767,7 @@
             </a:pathLst>
           </a:custGeom>
           <a:blipFill>
-            <a:blip r:embed="rId4"/>
+            <a:blip r:embed="rId3"/>
             <a:stretch>
               <a:fillRect l="-1706" t="-69916" r="-61" b="-77614"/>
             </a:stretch>
@@ -5710,8 +5511,8 @@
         </p:nvSpPr>
         <p:spPr>
           <a:xfrm>
-            <a:off x="1858317" y="12595085"/>
-            <a:ext cx="3805156" cy="480837"/>
+            <a:off x="16505387" y="12944640"/>
+            <a:ext cx="3439374" cy="491120"/>
           </a:xfrm>
           <a:prstGeom prst="rect">
             <a:avLst/>
@@ -5805,49 +5606,49 @@
       </p:sp>
       <p:sp>
         <p:nvSpPr>
-          <p:cNvPr id="13" name="TextBox 13"/>
+          <p:cNvPr id="15" name="TextBox 15"/>
           <p:cNvSpPr txBox="1"/>
           <p:nvPr/>
         </p:nvSpPr>
         <p:spPr>
           <a:xfrm>
-            <a:off x="15377712" y="15909790"/>
-            <a:ext cx="5532084" cy="755015"/>
+            <a:off x="1008783" y="18295122"/>
+            <a:ext cx="5437142" cy="841705"/>
           </a:xfrm>
           <a:prstGeom prst="rect">
             <a:avLst/>
           </a:prstGeom>
         </p:spPr>
         <p:txBody>
-          <a:bodyPr lIns="0" tIns="0" rIns="0" bIns="0" rtlCol="0" anchor="t">
+          <a:bodyPr wrap="square" lIns="0" tIns="0" rIns="0" bIns="0" rtlCol="0" anchor="t">
             <a:spAutoFit/>
           </a:bodyPr>
           <a:lstStyle/>
           <a:p>
             <a:pPr algn="ctr">
               <a:lnSpc>
-                <a:spcPts val="6160"/>
+                <a:spcPts val="7000"/>
               </a:lnSpc>
               <a:spcBef>
                 <a:spcPct val="0"/>
               </a:spcBef>
             </a:pPr>
             <a:r>
-              <a:rPr lang="en-US" sz="4400" b="1" dirty="0" err="1">
-                <a:solidFill>
-                  <a:srgbClr val="004AAD"/>
+              <a:rPr lang="en-US" sz="5000" b="1" dirty="0" err="1">
+                <a:solidFill>
+                  <a:srgbClr val="ED5324"/>
                 </a:solidFill>
                 <a:latin typeface="Noto Sans Armenian Bold"/>
                 <a:ea typeface="Noto Sans Armenian Bold"/>
                 <a:cs typeface="Noto Sans Armenian Bold"/>
                 <a:sym typeface="Noto Sans Armenian Bold"/>
               </a:rPr>
-              <a:t>Mô</a:t>
-            </a:r>
-            <a:r>
-              <a:rPr lang="en-US" sz="4400" b="1" dirty="0">
-                <a:solidFill>
-                  <a:srgbClr val="004AAD"/>
+              <a:t>Kết</a:t>
+            </a:r>
+            <a:r>
+              <a:rPr lang="en-US" sz="5000" b="1" dirty="0">
+                <a:solidFill>
+                  <a:srgbClr val="ED5324"/>
                 </a:solidFill>
                 <a:latin typeface="Noto Sans Armenian Bold"/>
                 <a:ea typeface="Noto Sans Armenian Bold"/>
@@ -5857,21 +5658,21 @@
               <a:t> </a:t>
             </a:r>
             <a:r>
-              <a:rPr lang="en-US" sz="4400" b="1" dirty="0" err="1">
-                <a:solidFill>
-                  <a:srgbClr val="004AAD"/>
+              <a:rPr lang="en-US" sz="5000" b="1" dirty="0" err="1">
+                <a:solidFill>
+                  <a:srgbClr val="ED5324"/>
                 </a:solidFill>
                 <a:latin typeface="Noto Sans Armenian Bold"/>
                 <a:ea typeface="Noto Sans Armenian Bold"/>
                 <a:cs typeface="Noto Sans Armenian Bold"/>
                 <a:sym typeface="Noto Sans Armenian Bold"/>
               </a:rPr>
-              <a:t>tả</a:t>
-            </a:r>
-            <a:r>
-              <a:rPr lang="en-US" sz="4400" b="1" dirty="0">
-                <a:solidFill>
-                  <a:srgbClr val="004AAD"/>
+              <a:t>quả</a:t>
+            </a:r>
+            <a:r>
+              <a:rPr lang="en-US" sz="5000" b="1" dirty="0">
+                <a:solidFill>
+                  <a:srgbClr val="ED5324"/>
                 </a:solidFill>
                 <a:latin typeface="Noto Sans Armenian Bold"/>
                 <a:ea typeface="Noto Sans Armenian Bold"/>
@@ -5881,21 +5682,21 @@
               <a:t> </a:t>
             </a:r>
             <a:r>
-              <a:rPr lang="en-US" sz="4400" b="1" dirty="0" err="1">
-                <a:solidFill>
-                  <a:srgbClr val="004AAD"/>
+              <a:rPr lang="en-US" sz="5000" b="1" dirty="0" err="1">
+                <a:solidFill>
+                  <a:srgbClr val="ED5324"/>
                 </a:solidFill>
                 <a:latin typeface="Noto Sans Armenian Bold"/>
                 <a:ea typeface="Noto Sans Armenian Bold"/>
                 <a:cs typeface="Noto Sans Armenian Bold"/>
                 <a:sym typeface="Noto Sans Armenian Bold"/>
               </a:rPr>
-              <a:t>hệ</a:t>
-            </a:r>
-            <a:r>
-              <a:rPr lang="en-US" sz="4400" b="1" dirty="0">
-                <a:solidFill>
-                  <a:srgbClr val="004AAD"/>
+              <a:t>đạt</a:t>
+            </a:r>
+            <a:r>
+              <a:rPr lang="en-US" sz="5000" b="1" dirty="0">
+                <a:solidFill>
+                  <a:srgbClr val="ED5324"/>
                 </a:solidFill>
                 <a:latin typeface="Noto Sans Armenian Bold"/>
                 <a:ea typeface="Noto Sans Armenian Bold"/>
@@ -5905,20 +5706,20 @@
               <a:t> </a:t>
             </a:r>
             <a:r>
-              <a:rPr lang="en-US" sz="4400" b="1" dirty="0" err="1">
-                <a:solidFill>
-                  <a:srgbClr val="004AAD"/>
+              <a:rPr lang="en-US" sz="5000" b="1" dirty="0" err="1">
+                <a:solidFill>
+                  <a:srgbClr val="ED5324"/>
                 </a:solidFill>
                 <a:latin typeface="Noto Sans Armenian Bold"/>
                 <a:ea typeface="Noto Sans Armenian Bold"/>
                 <a:cs typeface="Noto Sans Armenian Bold"/>
                 <a:sym typeface="Noto Sans Armenian Bold"/>
               </a:rPr>
-              <a:t>thống</a:t>
-            </a:r>
-            <a:endParaRPr lang="en-US" sz="4400" b="1" dirty="0">
+              <a:t>được</a:t>
+            </a:r>
+            <a:endParaRPr lang="en-US" sz="5000" b="1" dirty="0">
               <a:solidFill>
-                <a:srgbClr val="004AAD"/>
+                <a:srgbClr val="ED5324"/>
               </a:solidFill>
               <a:latin typeface="Noto Sans Armenian Bold"/>
               <a:ea typeface="Noto Sans Armenian Bold"/>
@@ -5930,14 +5731,14 @@
       </p:sp>
       <p:sp>
         <p:nvSpPr>
-          <p:cNvPr id="14" name="TextBox 14"/>
+          <p:cNvPr id="16" name="TextBox 16"/>
           <p:cNvSpPr txBox="1"/>
           <p:nvPr/>
         </p:nvSpPr>
         <p:spPr>
           <a:xfrm>
-            <a:off x="15274004" y="16846086"/>
-            <a:ext cx="5821059" cy="7354321"/>
+            <a:off x="418416" y="19459070"/>
+            <a:ext cx="6466188" cy="5694188"/>
           </a:xfrm>
           <a:prstGeom prst="rect">
             <a:avLst/>
@@ -5949,13 +5750,16 @@
           </a:bodyPr>
           <a:lstStyle/>
           <a:p>
-            <a:pPr algn="l">
-              <a:spcBef>
-                <a:spcPts val="800"/>
-              </a:spcBef>
-              <a:spcAft>
-                <a:spcPts val="600"/>
-              </a:spcAft>
+            <a:pPr marL="824228" lvl="1" indent="-457200" algn="l">
+              <a:lnSpc>
+                <a:spcPts val="5100"/>
+              </a:lnSpc>
+              <a:buClr>
+                <a:schemeClr val="accent1"/>
+              </a:buClr>
+              <a:buSzPct val="120000"/>
+              <a:buFont typeface="Wingdings" panose="05000000000000000000" pitchFamily="2" charset="2"/>
+              <a:buChar char="Ø"/>
             </a:pPr>
             <a:r>
               <a:rPr lang="en-US" sz="3399" dirty="0">
@@ -5967,7 +5771,7 @@
                 <a:cs typeface="Noto Sans"/>
                 <a:sym typeface="Noto Sans"/>
               </a:rPr>
-              <a:t>   Các </a:t>
+              <a:t> </a:t>
             </a:r>
             <a:r>
               <a:rPr lang="en-US" sz="3399" dirty="0" err="1">
@@ -5979,6 +5783,78 @@
                 <a:cs typeface="Noto Sans"/>
                 <a:sym typeface="Noto Sans"/>
               </a:rPr>
+              <a:t>Xây</a:t>
+            </a:r>
+            <a:r>
+              <a:rPr lang="en-US" sz="3399" dirty="0">
+                <a:solidFill>
+                  <a:srgbClr val="000000"/>
+                </a:solidFill>
+                <a:latin typeface="Noto Sans"/>
+                <a:ea typeface="Noto Sans"/>
+                <a:cs typeface="Noto Sans"/>
+                <a:sym typeface="Noto Sans"/>
+              </a:rPr>
+              <a:t> </a:t>
+            </a:r>
+            <a:r>
+              <a:rPr lang="en-US" sz="3399" dirty="0" err="1">
+                <a:solidFill>
+                  <a:srgbClr val="000000"/>
+                </a:solidFill>
+                <a:latin typeface="Noto Sans"/>
+                <a:ea typeface="Noto Sans"/>
+                <a:cs typeface="Noto Sans"/>
+                <a:sym typeface="Noto Sans"/>
+              </a:rPr>
+              <a:t>dựng</a:t>
+            </a:r>
+            <a:r>
+              <a:rPr lang="en-US" sz="3399" dirty="0">
+                <a:solidFill>
+                  <a:srgbClr val="000000"/>
+                </a:solidFill>
+                <a:latin typeface="Noto Sans"/>
+                <a:ea typeface="Noto Sans"/>
+                <a:cs typeface="Noto Sans"/>
+                <a:sym typeface="Noto Sans"/>
+              </a:rPr>
+              <a:t> </a:t>
+            </a:r>
+            <a:r>
+              <a:rPr lang="en-US" sz="3399" dirty="0" err="1">
+                <a:solidFill>
+                  <a:srgbClr val="000000"/>
+                </a:solidFill>
+                <a:latin typeface="Noto Sans"/>
+                <a:ea typeface="Noto Sans"/>
+                <a:cs typeface="Noto Sans"/>
+                <a:sym typeface="Noto Sans"/>
+              </a:rPr>
+              <a:t>thành</a:t>
+            </a:r>
+            <a:r>
+              <a:rPr lang="en-US" sz="3399" dirty="0">
+                <a:solidFill>
+                  <a:srgbClr val="000000"/>
+                </a:solidFill>
+                <a:latin typeface="Noto Sans"/>
+                <a:ea typeface="Noto Sans"/>
+                <a:cs typeface="Noto Sans"/>
+                <a:sym typeface="Noto Sans"/>
+              </a:rPr>
+              <a:t> </a:t>
+            </a:r>
+            <a:r>
+              <a:rPr lang="en-US" sz="3399" dirty="0" err="1">
+                <a:solidFill>
+                  <a:srgbClr val="000000"/>
+                </a:solidFill>
+                <a:latin typeface="Noto Sans"/>
+                <a:ea typeface="Noto Sans"/>
+                <a:cs typeface="Noto Sans"/>
+                <a:sym typeface="Noto Sans"/>
+              </a:rPr>
               <a:t>công</a:t>
             </a:r>
             <a:r>
@@ -6003,7 +5879,7 @@
                 <a:cs typeface="Noto Sans"/>
                 <a:sym typeface="Noto Sans"/>
               </a:rPr>
-              <a:t>nghệ</a:t>
+              <a:t>mô</a:t>
             </a:r>
             <a:r>
               <a:rPr lang="en-US" sz="3399" dirty="0">
@@ -6027,7 +5903,7 @@
                 <a:cs typeface="Noto Sans"/>
                 <a:sym typeface="Noto Sans"/>
               </a:rPr>
-              <a:t>áp</a:t>
+              <a:t>hình</a:t>
             </a:r>
             <a:r>
               <a:rPr lang="en-US" sz="3399" dirty="0">
@@ -6039,7 +5915,7 @@
                 <a:cs typeface="Noto Sans"/>
                 <a:sym typeface="Noto Sans"/>
               </a:rPr>
-              <a:t> </a:t>
+              <a:t> WAN </a:t>
             </a:r>
             <a:r>
               <a:rPr lang="en-US" sz="3399" dirty="0" err="1">
@@ -6051,7 +5927,7 @@
                 <a:cs typeface="Noto Sans"/>
                 <a:sym typeface="Noto Sans"/>
               </a:rPr>
-              <a:t>dụng</a:t>
+              <a:t>mô</a:t>
             </a:r>
             <a:r>
               <a:rPr lang="en-US" sz="3399" dirty="0">
@@ -6063,31 +5939,7 @@
                 <a:cs typeface="Noto Sans"/>
                 <a:sym typeface="Noto Sans"/>
               </a:rPr>
-              <a:t>:</a:t>
-            </a:r>
-          </a:p>
-          <a:p>
-            <a:pPr marL="824228" lvl="1" indent="-457200" algn="l">
-              <a:spcBef>
-                <a:spcPts val="800"/>
-              </a:spcBef>
-              <a:spcAft>
-                <a:spcPts val="600"/>
-              </a:spcAft>
-              <a:buFont typeface="Wingdings" panose="05000000000000000000" pitchFamily="2" charset="2"/>
-              <a:buChar char="§"/>
-            </a:pPr>
-            <a:r>
-              <a:rPr lang="en-US" sz="3399" dirty="0">
-                <a:solidFill>
-                  <a:srgbClr val="000000"/>
-                </a:solidFill>
-                <a:latin typeface="Noto Sans"/>
-                <a:ea typeface="Noto Sans"/>
-                <a:cs typeface="Noto Sans"/>
-                <a:sym typeface="Noto Sans"/>
-              </a:rPr>
-              <a:t>VLAN: </a:t>
+              <a:t> </a:t>
             </a:r>
             <a:r>
               <a:rPr lang="en-US" sz="3399" dirty="0" err="1">
@@ -6099,79 +5951,7 @@
                 <a:cs typeface="Noto Sans"/>
                 <a:sym typeface="Noto Sans"/>
               </a:rPr>
-              <a:t>phân</a:t>
-            </a:r>
-            <a:r>
-              <a:rPr lang="en-US" sz="3399" dirty="0">
-                <a:solidFill>
-                  <a:srgbClr val="000000"/>
-                </a:solidFill>
-                <a:latin typeface="Noto Sans"/>
-                <a:ea typeface="Noto Sans"/>
-                <a:cs typeface="Noto Sans"/>
-                <a:sym typeface="Noto Sans"/>
-              </a:rPr>
-              <a:t> chia </a:t>
-            </a:r>
-            <a:r>
-              <a:rPr lang="en-US" sz="3399" dirty="0" err="1">
-                <a:solidFill>
-                  <a:srgbClr val="000000"/>
-                </a:solidFill>
-                <a:latin typeface="Noto Sans"/>
-                <a:ea typeface="Noto Sans"/>
-                <a:cs typeface="Noto Sans"/>
-                <a:sym typeface="Noto Sans"/>
-              </a:rPr>
-              <a:t>mạng</a:t>
-            </a:r>
-            <a:r>
-              <a:rPr lang="en-US" sz="3399" dirty="0">
-                <a:solidFill>
-                  <a:srgbClr val="000000"/>
-                </a:solidFill>
-                <a:latin typeface="Noto Sans"/>
-                <a:ea typeface="Noto Sans"/>
-                <a:cs typeface="Noto Sans"/>
-                <a:sym typeface="Noto Sans"/>
-              </a:rPr>
-              <a:t> </a:t>
-            </a:r>
-            <a:r>
-              <a:rPr lang="en-US" sz="3399" dirty="0" err="1">
-                <a:solidFill>
-                  <a:srgbClr val="000000"/>
-                </a:solidFill>
-                <a:latin typeface="Noto Sans"/>
-                <a:ea typeface="Noto Sans"/>
-                <a:cs typeface="Noto Sans"/>
-                <a:sym typeface="Noto Sans"/>
-              </a:rPr>
-              <a:t>nội</a:t>
-            </a:r>
-            <a:r>
-              <a:rPr lang="en-US" sz="3399" dirty="0">
-                <a:solidFill>
-                  <a:srgbClr val="000000"/>
-                </a:solidFill>
-                <a:latin typeface="Noto Sans"/>
-                <a:ea typeface="Noto Sans"/>
-                <a:cs typeface="Noto Sans"/>
-                <a:sym typeface="Noto Sans"/>
-              </a:rPr>
-              <a:t> </a:t>
-            </a:r>
-            <a:r>
-              <a:rPr lang="en-US" sz="3399" dirty="0" err="1">
-                <a:solidFill>
-                  <a:srgbClr val="000000"/>
-                </a:solidFill>
-                <a:latin typeface="Noto Sans"/>
-                <a:ea typeface="Noto Sans"/>
-                <a:cs typeface="Noto Sans"/>
-                <a:sym typeface="Noto Sans"/>
-              </a:rPr>
-              <a:t>bộ</a:t>
+              <a:t>phỏng</a:t>
             </a:r>
             <a:endParaRPr lang="en-US" sz="3399" dirty="0">
               <a:solidFill>
@@ -6185,882 +5965,9 @@
           </a:p>
           <a:p>
             <a:pPr marL="824228" lvl="1" indent="-457200">
-              <a:spcBef>
-                <a:spcPts val="800"/>
-              </a:spcBef>
-              <a:spcAft>
-                <a:spcPts val="600"/>
-              </a:spcAft>
-              <a:buFont typeface="Wingdings" panose="05000000000000000000" pitchFamily="2" charset="2"/>
-              <a:buChar char="§"/>
-            </a:pPr>
-            <a:r>
-              <a:rPr lang="en-US" sz="3399" dirty="0">
-                <a:solidFill>
-                  <a:srgbClr val="000000"/>
-                </a:solidFill>
-                <a:latin typeface="Noto Sans"/>
-                <a:ea typeface="Noto Sans"/>
-                <a:cs typeface="Noto Sans"/>
-                <a:sym typeface="Noto Sans"/>
-              </a:rPr>
-              <a:t>STP: </a:t>
-            </a:r>
-            <a:r>
-              <a:rPr lang="en-US" sz="3399" dirty="0" err="1">
-                <a:solidFill>
-                  <a:srgbClr val="000000"/>
-                </a:solidFill>
-                <a:latin typeface="Noto Sans"/>
-                <a:ea typeface="Noto Sans"/>
-                <a:cs typeface="Noto Sans"/>
-                <a:sym typeface="Noto Sans"/>
-              </a:rPr>
-              <a:t>loại</a:t>
-            </a:r>
-            <a:r>
-              <a:rPr lang="en-US" sz="3399" dirty="0">
-                <a:solidFill>
-                  <a:srgbClr val="000000"/>
-                </a:solidFill>
-                <a:latin typeface="Noto Sans"/>
-                <a:ea typeface="Noto Sans"/>
-                <a:cs typeface="Noto Sans"/>
-                <a:sym typeface="Noto Sans"/>
-              </a:rPr>
-              <a:t> </a:t>
-            </a:r>
-            <a:r>
-              <a:rPr lang="en-US" sz="3399" dirty="0" err="1">
-                <a:solidFill>
-                  <a:srgbClr val="000000"/>
-                </a:solidFill>
-                <a:latin typeface="Noto Sans"/>
-                <a:ea typeface="Noto Sans"/>
-                <a:cs typeface="Noto Sans"/>
-                <a:sym typeface="Noto Sans"/>
-              </a:rPr>
-              <a:t>bỏ</a:t>
-            </a:r>
-            <a:r>
-              <a:rPr lang="en-US" sz="3399" dirty="0">
-                <a:solidFill>
-                  <a:srgbClr val="000000"/>
-                </a:solidFill>
-                <a:latin typeface="Noto Sans"/>
-                <a:ea typeface="Noto Sans"/>
-                <a:cs typeface="Noto Sans"/>
-                <a:sym typeface="Noto Sans"/>
-              </a:rPr>
-              <a:t> </a:t>
-            </a:r>
-            <a:r>
-              <a:rPr lang="en-US" sz="3399" dirty="0" err="1">
-                <a:solidFill>
-                  <a:srgbClr val="000000"/>
-                </a:solidFill>
-                <a:latin typeface="Noto Sans"/>
-                <a:ea typeface="Noto Sans"/>
-                <a:cs typeface="Noto Sans"/>
-                <a:sym typeface="Noto Sans"/>
-              </a:rPr>
-              <a:t>vòng</a:t>
-            </a:r>
-            <a:r>
-              <a:rPr lang="en-US" sz="3399" dirty="0">
-                <a:solidFill>
-                  <a:srgbClr val="000000"/>
-                </a:solidFill>
-                <a:latin typeface="Noto Sans"/>
-                <a:ea typeface="Noto Sans"/>
-                <a:cs typeface="Noto Sans"/>
-                <a:sym typeface="Noto Sans"/>
-              </a:rPr>
-              <a:t> </a:t>
-            </a:r>
-            <a:r>
-              <a:rPr lang="en-US" sz="3399" dirty="0" err="1">
-                <a:solidFill>
-                  <a:srgbClr val="000000"/>
-                </a:solidFill>
-                <a:latin typeface="Noto Sans"/>
-                <a:ea typeface="Noto Sans"/>
-                <a:cs typeface="Noto Sans"/>
-                <a:sym typeface="Noto Sans"/>
-              </a:rPr>
-              <a:t>lặp</a:t>
-            </a:r>
-            <a:endParaRPr lang="en-US" sz="3399" dirty="0">
-              <a:solidFill>
-                <a:srgbClr val="000000"/>
-              </a:solidFill>
-              <a:latin typeface="Noto Sans"/>
-              <a:ea typeface="Noto Sans"/>
-              <a:cs typeface="Noto Sans"/>
-              <a:sym typeface="Noto Sans"/>
-            </a:endParaRPr>
-          </a:p>
-          <a:p>
-            <a:pPr marL="824228" lvl="1" indent="-457200">
-              <a:spcBef>
-                <a:spcPts val="800"/>
-              </a:spcBef>
-              <a:spcAft>
-                <a:spcPts val="600"/>
-              </a:spcAft>
-              <a:buFont typeface="Wingdings" panose="05000000000000000000" pitchFamily="2" charset="2"/>
-              <a:buChar char="§"/>
-            </a:pPr>
-            <a:r>
-              <a:rPr lang="en-US" sz="3399" dirty="0">
-                <a:solidFill>
-                  <a:srgbClr val="000000"/>
-                </a:solidFill>
-                <a:latin typeface="Noto Sans"/>
-                <a:ea typeface="Noto Sans"/>
-                <a:cs typeface="Noto Sans"/>
-                <a:sym typeface="Noto Sans"/>
-              </a:rPr>
-              <a:t>EtherChannel: </a:t>
-            </a:r>
-            <a:r>
-              <a:rPr lang="en-US" sz="3399" dirty="0" err="1">
-                <a:solidFill>
-                  <a:srgbClr val="000000"/>
-                </a:solidFill>
-                <a:latin typeface="Noto Sans"/>
-                <a:ea typeface="Noto Sans"/>
-                <a:cs typeface="Noto Sans"/>
-                <a:sym typeface="Noto Sans"/>
-              </a:rPr>
-              <a:t>gộp</a:t>
-            </a:r>
-            <a:r>
-              <a:rPr lang="en-US" sz="3399" dirty="0">
-                <a:solidFill>
-                  <a:srgbClr val="000000"/>
-                </a:solidFill>
-                <a:latin typeface="Noto Sans"/>
-                <a:ea typeface="Noto Sans"/>
-                <a:cs typeface="Noto Sans"/>
-                <a:sym typeface="Noto Sans"/>
-              </a:rPr>
-              <a:t> </a:t>
-            </a:r>
-            <a:r>
-              <a:rPr lang="en-US" sz="3399" dirty="0" err="1">
-                <a:solidFill>
-                  <a:srgbClr val="000000"/>
-                </a:solidFill>
-                <a:latin typeface="Noto Sans"/>
-                <a:ea typeface="Noto Sans"/>
-                <a:cs typeface="Noto Sans"/>
-                <a:sym typeface="Noto Sans"/>
-              </a:rPr>
-              <a:t>cổng</a:t>
-            </a:r>
-            <a:r>
-              <a:rPr lang="en-US" sz="3399" dirty="0">
-                <a:solidFill>
-                  <a:srgbClr val="000000"/>
-                </a:solidFill>
-                <a:latin typeface="Noto Sans"/>
-                <a:ea typeface="Noto Sans"/>
-                <a:cs typeface="Noto Sans"/>
-                <a:sym typeface="Noto Sans"/>
-              </a:rPr>
-              <a:t> </a:t>
-            </a:r>
-            <a:r>
-              <a:rPr lang="en-US" sz="3399" dirty="0" err="1">
-                <a:solidFill>
-                  <a:srgbClr val="000000"/>
-                </a:solidFill>
-                <a:latin typeface="Noto Sans"/>
-                <a:ea typeface="Noto Sans"/>
-                <a:cs typeface="Noto Sans"/>
-                <a:sym typeface="Noto Sans"/>
-              </a:rPr>
-              <a:t>tăng</a:t>
-            </a:r>
-            <a:r>
-              <a:rPr lang="en-US" sz="3399" dirty="0">
-                <a:solidFill>
-                  <a:srgbClr val="000000"/>
-                </a:solidFill>
-                <a:latin typeface="Noto Sans"/>
-                <a:ea typeface="Noto Sans"/>
-                <a:cs typeface="Noto Sans"/>
-                <a:sym typeface="Noto Sans"/>
-              </a:rPr>
-              <a:t> </a:t>
-            </a:r>
-            <a:r>
-              <a:rPr lang="en-US" sz="3399" dirty="0" err="1">
-                <a:solidFill>
-                  <a:srgbClr val="000000"/>
-                </a:solidFill>
-                <a:latin typeface="Noto Sans"/>
-                <a:ea typeface="Noto Sans"/>
-                <a:cs typeface="Noto Sans"/>
-                <a:sym typeface="Noto Sans"/>
-              </a:rPr>
-              <a:t>băng</a:t>
-            </a:r>
-            <a:r>
-              <a:rPr lang="en-US" sz="3399" dirty="0">
-                <a:solidFill>
-                  <a:srgbClr val="000000"/>
-                </a:solidFill>
-                <a:latin typeface="Noto Sans"/>
-                <a:ea typeface="Noto Sans"/>
-                <a:cs typeface="Noto Sans"/>
-                <a:sym typeface="Noto Sans"/>
-              </a:rPr>
-              <a:t> </a:t>
-            </a:r>
-            <a:r>
-              <a:rPr lang="en-US" sz="3399" dirty="0" err="1">
-                <a:solidFill>
-                  <a:srgbClr val="000000"/>
-                </a:solidFill>
-                <a:latin typeface="Noto Sans"/>
-                <a:ea typeface="Noto Sans"/>
-                <a:cs typeface="Noto Sans"/>
-                <a:sym typeface="Noto Sans"/>
-              </a:rPr>
-              <a:t>thông</a:t>
-            </a:r>
-            <a:endParaRPr lang="en-US" sz="3399" dirty="0">
-              <a:solidFill>
-                <a:srgbClr val="000000"/>
-              </a:solidFill>
-              <a:latin typeface="Noto Sans"/>
-              <a:ea typeface="Noto Sans"/>
-              <a:cs typeface="Noto Sans"/>
-              <a:sym typeface="Noto Sans"/>
-            </a:endParaRPr>
-          </a:p>
-          <a:p>
-            <a:pPr marL="824228" lvl="1" indent="-457200">
-              <a:spcBef>
-                <a:spcPts val="800"/>
-              </a:spcBef>
-              <a:spcAft>
-                <a:spcPts val="600"/>
-              </a:spcAft>
-              <a:buFont typeface="Wingdings" panose="05000000000000000000" pitchFamily="2" charset="2"/>
-              <a:buChar char="§"/>
-            </a:pPr>
-            <a:r>
-              <a:rPr lang="en-US" sz="3399" dirty="0">
-                <a:solidFill>
-                  <a:srgbClr val="000000"/>
-                </a:solidFill>
-                <a:latin typeface="Noto Sans"/>
-                <a:ea typeface="Noto Sans"/>
-                <a:cs typeface="Noto Sans"/>
-                <a:sym typeface="Noto Sans"/>
-              </a:rPr>
-              <a:t>OSPF </a:t>
-            </a:r>
-            <a:r>
-              <a:rPr lang="en-US" sz="3399" dirty="0" err="1">
-                <a:solidFill>
-                  <a:srgbClr val="000000"/>
-                </a:solidFill>
-                <a:latin typeface="Noto Sans"/>
-                <a:ea typeface="Noto Sans"/>
-                <a:cs typeface="Noto Sans"/>
-                <a:sym typeface="Noto Sans"/>
-              </a:rPr>
-              <a:t>đa</a:t>
-            </a:r>
-            <a:r>
-              <a:rPr lang="en-US" sz="3399" dirty="0">
-                <a:solidFill>
-                  <a:srgbClr val="000000"/>
-                </a:solidFill>
-                <a:latin typeface="Noto Sans"/>
-                <a:ea typeface="Noto Sans"/>
-                <a:cs typeface="Noto Sans"/>
-                <a:sym typeface="Noto Sans"/>
-              </a:rPr>
-              <a:t> Area: </a:t>
-            </a:r>
-            <a:r>
-              <a:rPr lang="en-US" sz="3399" dirty="0" err="1">
-                <a:solidFill>
-                  <a:srgbClr val="000000"/>
-                </a:solidFill>
-                <a:latin typeface="Noto Sans"/>
-                <a:ea typeface="Noto Sans"/>
-                <a:cs typeface="Noto Sans"/>
-                <a:sym typeface="Noto Sans"/>
-              </a:rPr>
-              <a:t>định</a:t>
-            </a:r>
-            <a:r>
-              <a:rPr lang="en-US" sz="3399" dirty="0">
-                <a:solidFill>
-                  <a:srgbClr val="000000"/>
-                </a:solidFill>
-                <a:latin typeface="Noto Sans"/>
-                <a:ea typeface="Noto Sans"/>
-                <a:cs typeface="Noto Sans"/>
-                <a:sym typeface="Noto Sans"/>
-              </a:rPr>
-              <a:t> </a:t>
-            </a:r>
-            <a:r>
-              <a:rPr lang="en-US" sz="3399" dirty="0" err="1">
-                <a:solidFill>
-                  <a:srgbClr val="000000"/>
-                </a:solidFill>
-                <a:latin typeface="Noto Sans"/>
-                <a:ea typeface="Noto Sans"/>
-                <a:cs typeface="Noto Sans"/>
-                <a:sym typeface="Noto Sans"/>
-              </a:rPr>
-              <a:t>tuyến</a:t>
-            </a:r>
-            <a:r>
-              <a:rPr lang="en-US" sz="3399" dirty="0">
-                <a:solidFill>
-                  <a:srgbClr val="000000"/>
-                </a:solidFill>
-                <a:latin typeface="Noto Sans"/>
-                <a:ea typeface="Noto Sans"/>
-                <a:cs typeface="Noto Sans"/>
-                <a:sym typeface="Noto Sans"/>
-              </a:rPr>
-              <a:t> </a:t>
-            </a:r>
-            <a:r>
-              <a:rPr lang="en-US" sz="3399" dirty="0" err="1">
-                <a:solidFill>
-                  <a:srgbClr val="000000"/>
-                </a:solidFill>
-                <a:latin typeface="Noto Sans"/>
-                <a:ea typeface="Noto Sans"/>
-                <a:cs typeface="Noto Sans"/>
-                <a:sym typeface="Noto Sans"/>
-              </a:rPr>
-              <a:t>động</a:t>
-            </a:r>
-            <a:r>
-              <a:rPr lang="en-US" sz="3399" dirty="0">
-                <a:solidFill>
-                  <a:srgbClr val="000000"/>
-                </a:solidFill>
-                <a:latin typeface="Noto Sans"/>
-                <a:ea typeface="Noto Sans"/>
-                <a:cs typeface="Noto Sans"/>
-                <a:sym typeface="Noto Sans"/>
-              </a:rPr>
-              <a:t>, </a:t>
-            </a:r>
-            <a:r>
-              <a:rPr lang="en-US" sz="3399" dirty="0" err="1">
-                <a:solidFill>
-                  <a:srgbClr val="000000"/>
-                </a:solidFill>
-                <a:latin typeface="Noto Sans"/>
-                <a:ea typeface="Noto Sans"/>
-                <a:cs typeface="Noto Sans"/>
-                <a:sym typeface="Noto Sans"/>
-              </a:rPr>
-              <a:t>linh</a:t>
-            </a:r>
-            <a:r>
-              <a:rPr lang="en-US" sz="3399" dirty="0">
-                <a:solidFill>
-                  <a:srgbClr val="000000"/>
-                </a:solidFill>
-                <a:latin typeface="Noto Sans"/>
-                <a:ea typeface="Noto Sans"/>
-                <a:cs typeface="Noto Sans"/>
-                <a:sym typeface="Noto Sans"/>
-              </a:rPr>
-              <a:t> </a:t>
-            </a:r>
-            <a:r>
-              <a:rPr lang="en-US" sz="3399" dirty="0" err="1">
-                <a:solidFill>
-                  <a:srgbClr val="000000"/>
-                </a:solidFill>
-                <a:latin typeface="Noto Sans"/>
-                <a:ea typeface="Noto Sans"/>
-                <a:cs typeface="Noto Sans"/>
-                <a:sym typeface="Noto Sans"/>
-              </a:rPr>
-              <a:t>hoạt</a:t>
-            </a:r>
-            <a:endParaRPr lang="en-US" sz="3399" dirty="0">
-              <a:solidFill>
-                <a:srgbClr val="000000"/>
-              </a:solidFill>
-              <a:latin typeface="Noto Sans"/>
-              <a:ea typeface="Noto Sans"/>
-              <a:cs typeface="Noto Sans"/>
-              <a:sym typeface="Noto Sans"/>
-            </a:endParaRPr>
-          </a:p>
-          <a:p>
-            <a:pPr marL="824228" lvl="1" indent="-457200">
-              <a:spcBef>
-                <a:spcPts val="800"/>
-              </a:spcBef>
-              <a:spcAft>
-                <a:spcPts val="600"/>
-              </a:spcAft>
-              <a:buFont typeface="Wingdings" panose="05000000000000000000" pitchFamily="2" charset="2"/>
-              <a:buChar char="§"/>
-            </a:pPr>
-            <a:r>
-              <a:rPr lang="en-US" sz="3399" dirty="0">
-                <a:solidFill>
-                  <a:srgbClr val="000000"/>
-                </a:solidFill>
-                <a:latin typeface="Noto Sans"/>
-                <a:ea typeface="Noto Sans"/>
-                <a:cs typeface="Noto Sans"/>
-                <a:sym typeface="Noto Sans"/>
-              </a:rPr>
-              <a:t>GRE Tunnel: </a:t>
-            </a:r>
-            <a:r>
-              <a:rPr lang="en-US" sz="3399" dirty="0" err="1">
-                <a:solidFill>
-                  <a:srgbClr val="000000"/>
-                </a:solidFill>
-                <a:latin typeface="Noto Sans"/>
-                <a:ea typeface="Noto Sans"/>
-                <a:cs typeface="Noto Sans"/>
-                <a:sym typeface="Noto Sans"/>
-              </a:rPr>
-              <a:t>hỗ</a:t>
-            </a:r>
-            <a:r>
-              <a:rPr lang="en-US" sz="3399" dirty="0">
-                <a:solidFill>
-                  <a:srgbClr val="000000"/>
-                </a:solidFill>
-                <a:latin typeface="Noto Sans"/>
-                <a:ea typeface="Noto Sans"/>
-                <a:cs typeface="Noto Sans"/>
-                <a:sym typeface="Noto Sans"/>
-              </a:rPr>
-              <a:t> </a:t>
-            </a:r>
-            <a:r>
-              <a:rPr lang="en-US" sz="3399" dirty="0" err="1">
-                <a:solidFill>
-                  <a:srgbClr val="000000"/>
-                </a:solidFill>
-                <a:latin typeface="Noto Sans"/>
-                <a:ea typeface="Noto Sans"/>
-                <a:cs typeface="Noto Sans"/>
-                <a:sym typeface="Noto Sans"/>
-              </a:rPr>
-              <a:t>trợ</a:t>
-            </a:r>
-            <a:r>
-              <a:rPr lang="en-US" sz="3399" dirty="0">
-                <a:solidFill>
-                  <a:srgbClr val="000000"/>
-                </a:solidFill>
-                <a:latin typeface="Noto Sans"/>
-                <a:ea typeface="Noto Sans"/>
-                <a:cs typeface="Noto Sans"/>
-                <a:sym typeface="Noto Sans"/>
-              </a:rPr>
-              <a:t> </a:t>
-            </a:r>
-            <a:r>
-              <a:rPr lang="en-US" sz="3399" dirty="0" err="1">
-                <a:solidFill>
-                  <a:srgbClr val="000000"/>
-                </a:solidFill>
-                <a:latin typeface="Noto Sans"/>
-                <a:ea typeface="Noto Sans"/>
-                <a:cs typeface="Noto Sans"/>
-                <a:sym typeface="Noto Sans"/>
-              </a:rPr>
-              <a:t>kết</a:t>
-            </a:r>
-            <a:r>
-              <a:rPr lang="en-US" sz="3399" dirty="0">
-                <a:solidFill>
-                  <a:srgbClr val="000000"/>
-                </a:solidFill>
-                <a:latin typeface="Noto Sans"/>
-                <a:ea typeface="Noto Sans"/>
-                <a:cs typeface="Noto Sans"/>
-                <a:sym typeface="Noto Sans"/>
-              </a:rPr>
-              <a:t> </a:t>
-            </a:r>
-            <a:r>
-              <a:rPr lang="en-US" sz="3399" dirty="0" err="1">
-                <a:solidFill>
-                  <a:srgbClr val="000000"/>
-                </a:solidFill>
-                <a:latin typeface="Noto Sans"/>
-                <a:ea typeface="Noto Sans"/>
-                <a:cs typeface="Noto Sans"/>
-                <a:sym typeface="Noto Sans"/>
-              </a:rPr>
-              <a:t>nối</a:t>
-            </a:r>
-            <a:r>
-              <a:rPr lang="en-US" sz="3399" dirty="0">
-                <a:solidFill>
-                  <a:srgbClr val="000000"/>
-                </a:solidFill>
-                <a:latin typeface="Noto Sans"/>
-                <a:ea typeface="Noto Sans"/>
-                <a:cs typeface="Noto Sans"/>
-                <a:sym typeface="Noto Sans"/>
-              </a:rPr>
-              <a:t> </a:t>
-            </a:r>
-            <a:r>
-              <a:rPr lang="en-US" sz="3399" dirty="0" err="1">
-                <a:solidFill>
-                  <a:srgbClr val="000000"/>
-                </a:solidFill>
-                <a:latin typeface="Noto Sans"/>
-                <a:ea typeface="Noto Sans"/>
-                <a:cs typeface="Noto Sans"/>
-                <a:sym typeface="Noto Sans"/>
-              </a:rPr>
-              <a:t>liên</a:t>
-            </a:r>
-            <a:r>
-              <a:rPr lang="en-US" sz="3399" dirty="0">
-                <a:solidFill>
-                  <a:srgbClr val="000000"/>
-                </a:solidFill>
-                <a:latin typeface="Noto Sans"/>
-                <a:ea typeface="Noto Sans"/>
-                <a:cs typeface="Noto Sans"/>
-                <a:sym typeface="Noto Sans"/>
-              </a:rPr>
-              <a:t> </a:t>
-            </a:r>
-            <a:r>
-              <a:rPr lang="en-US" sz="3399" dirty="0" err="1">
-                <a:solidFill>
-                  <a:srgbClr val="000000"/>
-                </a:solidFill>
-                <a:latin typeface="Noto Sans"/>
-                <a:ea typeface="Noto Sans"/>
-                <a:cs typeface="Noto Sans"/>
-                <a:sym typeface="Noto Sans"/>
-              </a:rPr>
-              <a:t>mạng</a:t>
-            </a:r>
-            <a:endParaRPr lang="en-US" sz="3399" dirty="0">
-              <a:solidFill>
-                <a:srgbClr val="000000"/>
-              </a:solidFill>
-              <a:latin typeface="Noto Sans"/>
-              <a:ea typeface="Noto Sans"/>
-              <a:cs typeface="Noto Sans"/>
-              <a:sym typeface="Noto Sans"/>
-            </a:endParaRPr>
-          </a:p>
-          <a:p>
-            <a:pPr marL="824228" lvl="1" indent="-457200">
-              <a:spcBef>
-                <a:spcPts val="800"/>
-              </a:spcBef>
-              <a:spcAft>
-                <a:spcPts val="600"/>
-              </a:spcAft>
-              <a:buFont typeface="Wingdings" panose="05000000000000000000" pitchFamily="2" charset="2"/>
-              <a:buChar char="§"/>
-            </a:pPr>
-            <a:r>
-              <a:rPr lang="en-US" sz="3399" dirty="0">
-                <a:solidFill>
-                  <a:srgbClr val="000000"/>
-                </a:solidFill>
-                <a:latin typeface="Noto Sans"/>
-                <a:ea typeface="Noto Sans"/>
-                <a:cs typeface="Noto Sans"/>
-                <a:sym typeface="Noto Sans"/>
-              </a:rPr>
-              <a:t>Load Balancing: </a:t>
-            </a:r>
-            <a:r>
-              <a:rPr lang="en-US" sz="3399" dirty="0" err="1">
-                <a:solidFill>
-                  <a:srgbClr val="000000"/>
-                </a:solidFill>
-                <a:latin typeface="Noto Sans"/>
-                <a:ea typeface="Noto Sans"/>
-                <a:cs typeface="Noto Sans"/>
-                <a:sym typeface="Noto Sans"/>
-              </a:rPr>
-              <a:t>phân</a:t>
-            </a:r>
-            <a:r>
-              <a:rPr lang="en-US" sz="3399" dirty="0">
-                <a:solidFill>
-                  <a:srgbClr val="000000"/>
-                </a:solidFill>
-                <a:latin typeface="Noto Sans"/>
-                <a:ea typeface="Noto Sans"/>
-                <a:cs typeface="Noto Sans"/>
-                <a:sym typeface="Noto Sans"/>
-              </a:rPr>
-              <a:t> </a:t>
-            </a:r>
-            <a:r>
-              <a:rPr lang="en-US" sz="3399" dirty="0" err="1">
-                <a:solidFill>
-                  <a:srgbClr val="000000"/>
-                </a:solidFill>
-                <a:latin typeface="Noto Sans"/>
-                <a:ea typeface="Noto Sans"/>
-                <a:cs typeface="Noto Sans"/>
-                <a:sym typeface="Noto Sans"/>
-              </a:rPr>
-              <a:t>phối</a:t>
-            </a:r>
-            <a:r>
-              <a:rPr lang="en-US" sz="3399" dirty="0">
-                <a:solidFill>
-                  <a:srgbClr val="000000"/>
-                </a:solidFill>
-                <a:latin typeface="Noto Sans"/>
-                <a:ea typeface="Noto Sans"/>
-                <a:cs typeface="Noto Sans"/>
-                <a:sym typeface="Noto Sans"/>
-              </a:rPr>
-              <a:t> </a:t>
-            </a:r>
-            <a:r>
-              <a:rPr lang="en-US" sz="3399" dirty="0" err="1">
-                <a:solidFill>
-                  <a:srgbClr val="000000"/>
-                </a:solidFill>
-                <a:latin typeface="Noto Sans"/>
-                <a:ea typeface="Noto Sans"/>
-                <a:cs typeface="Noto Sans"/>
-                <a:sym typeface="Noto Sans"/>
-              </a:rPr>
-              <a:t>lưu</a:t>
-            </a:r>
-            <a:r>
-              <a:rPr lang="en-US" sz="3399" dirty="0">
-                <a:solidFill>
-                  <a:srgbClr val="000000"/>
-                </a:solidFill>
-                <a:latin typeface="Noto Sans"/>
-                <a:ea typeface="Noto Sans"/>
-                <a:cs typeface="Noto Sans"/>
-                <a:sym typeface="Noto Sans"/>
-              </a:rPr>
-              <a:t> </a:t>
-            </a:r>
-            <a:r>
-              <a:rPr lang="en-US" sz="3399" dirty="0" err="1">
-                <a:solidFill>
-                  <a:srgbClr val="000000"/>
-                </a:solidFill>
-                <a:latin typeface="Noto Sans"/>
-                <a:ea typeface="Noto Sans"/>
-                <a:cs typeface="Noto Sans"/>
-                <a:sym typeface="Noto Sans"/>
-              </a:rPr>
-              <a:t>lượng</a:t>
-            </a:r>
-            <a:r>
-              <a:rPr lang="en-US" sz="3399" dirty="0">
-                <a:solidFill>
-                  <a:srgbClr val="000000"/>
-                </a:solidFill>
-                <a:latin typeface="Noto Sans"/>
-                <a:ea typeface="Noto Sans"/>
-                <a:cs typeface="Noto Sans"/>
-                <a:sym typeface="Noto Sans"/>
-              </a:rPr>
-              <a:t> </a:t>
-            </a:r>
-            <a:r>
-              <a:rPr lang="en-US" sz="3399" dirty="0" err="1">
-                <a:solidFill>
-                  <a:srgbClr val="000000"/>
-                </a:solidFill>
-                <a:latin typeface="Noto Sans"/>
-                <a:ea typeface="Noto Sans"/>
-                <a:cs typeface="Noto Sans"/>
-                <a:sym typeface="Noto Sans"/>
-              </a:rPr>
-              <a:t>tải</a:t>
-            </a:r>
-            <a:endParaRPr lang="en-US" sz="3399" dirty="0">
-              <a:solidFill>
-                <a:srgbClr val="000000"/>
-              </a:solidFill>
-              <a:latin typeface="Noto Sans"/>
-              <a:ea typeface="Noto Sans"/>
-              <a:cs typeface="Noto Sans"/>
-              <a:sym typeface="Noto Sans"/>
-            </a:endParaRPr>
-          </a:p>
-        </p:txBody>
-      </p:sp>
-      <p:sp>
-        <p:nvSpPr>
-          <p:cNvPr id="15" name="TextBox 15"/>
-          <p:cNvSpPr txBox="1"/>
-          <p:nvPr/>
-        </p:nvSpPr>
-        <p:spPr>
-          <a:xfrm>
-            <a:off x="956255" y="24231815"/>
-            <a:ext cx="5561076" cy="863600"/>
-          </a:xfrm>
-          <a:prstGeom prst="rect">
-            <a:avLst/>
-          </a:prstGeom>
-        </p:spPr>
-        <p:txBody>
-          <a:bodyPr wrap="square" lIns="0" tIns="0" rIns="0" bIns="0" rtlCol="0" anchor="t">
-            <a:spAutoFit/>
-          </a:bodyPr>
-          <a:lstStyle/>
-          <a:p>
-            <a:pPr algn="ctr">
               <a:lnSpc>
-                <a:spcPts val="7000"/>
+                <a:spcPts val="5100"/>
               </a:lnSpc>
-              <a:spcBef>
-                <a:spcPct val="0"/>
-              </a:spcBef>
-            </a:pPr>
-            <a:r>
-              <a:rPr lang="en-US" sz="5000" b="1" dirty="0" err="1">
-                <a:solidFill>
-                  <a:srgbClr val="ED5324"/>
-                </a:solidFill>
-                <a:latin typeface="Noto Sans Armenian Bold"/>
-                <a:ea typeface="Noto Sans Armenian Bold"/>
-                <a:cs typeface="Noto Sans Armenian Bold"/>
-                <a:sym typeface="Noto Sans Armenian Bold"/>
-              </a:rPr>
-              <a:t>Kết</a:t>
-            </a:r>
-            <a:r>
-              <a:rPr lang="en-US" sz="5000" b="1" dirty="0">
-                <a:solidFill>
-                  <a:srgbClr val="ED5324"/>
-                </a:solidFill>
-                <a:latin typeface="Noto Sans Armenian Bold"/>
-                <a:ea typeface="Noto Sans Armenian Bold"/>
-                <a:cs typeface="Noto Sans Armenian Bold"/>
-                <a:sym typeface="Noto Sans Armenian Bold"/>
-              </a:rPr>
-              <a:t> </a:t>
-            </a:r>
-            <a:r>
-              <a:rPr lang="en-US" sz="5000" b="1" dirty="0" err="1">
-                <a:solidFill>
-                  <a:srgbClr val="ED5324"/>
-                </a:solidFill>
-                <a:latin typeface="Noto Sans Armenian Bold"/>
-                <a:ea typeface="Noto Sans Armenian Bold"/>
-                <a:cs typeface="Noto Sans Armenian Bold"/>
-                <a:sym typeface="Noto Sans Armenian Bold"/>
-              </a:rPr>
-              <a:t>quả</a:t>
-            </a:r>
-            <a:r>
-              <a:rPr lang="en-US" sz="5000" b="1" dirty="0">
-                <a:solidFill>
-                  <a:srgbClr val="ED5324"/>
-                </a:solidFill>
-                <a:latin typeface="Noto Sans Armenian Bold"/>
-                <a:ea typeface="Noto Sans Armenian Bold"/>
-                <a:cs typeface="Noto Sans Armenian Bold"/>
-                <a:sym typeface="Noto Sans Armenian Bold"/>
-              </a:rPr>
-              <a:t> </a:t>
-            </a:r>
-            <a:r>
-              <a:rPr lang="en-US" sz="5000" b="1" dirty="0" err="1">
-                <a:solidFill>
-                  <a:srgbClr val="ED5324"/>
-                </a:solidFill>
-                <a:latin typeface="Noto Sans Armenian Bold"/>
-                <a:ea typeface="Noto Sans Armenian Bold"/>
-                <a:cs typeface="Noto Sans Armenian Bold"/>
-                <a:sym typeface="Noto Sans Armenian Bold"/>
-              </a:rPr>
-              <a:t>đạt</a:t>
-            </a:r>
-            <a:r>
-              <a:rPr lang="en-US" sz="5000" b="1" dirty="0">
-                <a:solidFill>
-                  <a:srgbClr val="ED5324"/>
-                </a:solidFill>
-                <a:latin typeface="Noto Sans Armenian Bold"/>
-                <a:ea typeface="Noto Sans Armenian Bold"/>
-                <a:cs typeface="Noto Sans Armenian Bold"/>
-                <a:sym typeface="Noto Sans Armenian Bold"/>
-              </a:rPr>
-              <a:t> </a:t>
-            </a:r>
-            <a:r>
-              <a:rPr lang="en-US" sz="5000" b="1" dirty="0" err="1">
-                <a:solidFill>
-                  <a:srgbClr val="ED5324"/>
-                </a:solidFill>
-                <a:latin typeface="Noto Sans Armenian Bold"/>
-                <a:ea typeface="Noto Sans Armenian Bold"/>
-                <a:cs typeface="Noto Sans Armenian Bold"/>
-                <a:sym typeface="Noto Sans Armenian Bold"/>
-              </a:rPr>
-              <a:t>được</a:t>
-            </a:r>
-            <a:endParaRPr lang="en-US" sz="5000" b="1" dirty="0">
-              <a:solidFill>
-                <a:srgbClr val="ED5324"/>
-              </a:solidFill>
-              <a:latin typeface="Noto Sans Armenian Bold"/>
-              <a:ea typeface="Noto Sans Armenian Bold"/>
-              <a:cs typeface="Noto Sans Armenian Bold"/>
-              <a:sym typeface="Noto Sans Armenian Bold"/>
-            </a:endParaRPr>
-          </a:p>
-        </p:txBody>
-      </p:sp>
-      <p:sp>
-        <p:nvSpPr>
-          <p:cNvPr id="16" name="TextBox 16"/>
-          <p:cNvSpPr txBox="1"/>
-          <p:nvPr/>
-        </p:nvSpPr>
-        <p:spPr>
-          <a:xfrm>
-            <a:off x="304386" y="25325444"/>
-            <a:ext cx="11345160" cy="2707921"/>
-          </a:xfrm>
-          <a:prstGeom prst="rect">
-            <a:avLst/>
-          </a:prstGeom>
-        </p:spPr>
-        <p:txBody>
-          <a:bodyPr wrap="square" lIns="0" tIns="0" rIns="0" bIns="0" rtlCol="0" anchor="t">
-            <a:spAutoFit/>
-          </a:bodyPr>
-          <a:lstStyle/>
-          <a:p>
-            <a:pPr marL="824228" lvl="1" indent="-457200" algn="l">
               <a:spcBef>
                 <a:spcPts val="800"/>
               </a:spcBef>
@@ -7084,7 +5991,7 @@
                 <a:cs typeface="Noto Sans"/>
                 <a:sym typeface="Noto Sans"/>
               </a:rPr>
-              <a:t> </a:t>
+              <a:t> Các </a:t>
             </a:r>
             <a:r>
               <a:rPr lang="en-US" sz="3399" dirty="0" err="1">
@@ -7096,7 +6003,7 @@
                 <a:cs typeface="Noto Sans"/>
                 <a:sym typeface="Noto Sans"/>
               </a:rPr>
-              <a:t>Xây</a:t>
+              <a:t>công</a:t>
             </a:r>
             <a:r>
               <a:rPr lang="en-US" sz="3399" dirty="0">
@@ -7120,7 +6027,7 @@
                 <a:cs typeface="Noto Sans"/>
                 <a:sym typeface="Noto Sans"/>
               </a:rPr>
-              <a:t>dựng</a:t>
+              <a:t>nghệ</a:t>
             </a:r>
             <a:r>
               <a:rPr lang="en-US" sz="3399" dirty="0">
@@ -7144,7 +6051,7 @@
                 <a:cs typeface="Noto Sans"/>
                 <a:sym typeface="Noto Sans"/>
               </a:rPr>
-              <a:t>thành</a:t>
+              <a:t>áp</a:t>
             </a:r>
             <a:r>
               <a:rPr lang="en-US" sz="3399" dirty="0">
@@ -7168,7 +6075,7 @@
                 <a:cs typeface="Noto Sans"/>
                 <a:sym typeface="Noto Sans"/>
               </a:rPr>
-              <a:t>công</a:t>
+              <a:t>dụng</a:t>
             </a:r>
             <a:r>
               <a:rPr lang="en-US" sz="3399" dirty="0">
@@ -7192,7 +6099,7 @@
                 <a:cs typeface="Noto Sans"/>
                 <a:sym typeface="Noto Sans"/>
               </a:rPr>
-              <a:t>mô</a:t>
+              <a:t>hoạt</a:t>
             </a:r>
             <a:r>
               <a:rPr lang="en-US" sz="3399" dirty="0">
@@ -7216,7 +6123,7 @@
                 <a:cs typeface="Noto Sans"/>
                 <a:sym typeface="Noto Sans"/>
               </a:rPr>
-              <a:t>hình</a:t>
+              <a:t>động</a:t>
             </a:r>
             <a:r>
               <a:rPr lang="en-US" sz="3399" dirty="0">
@@ -7228,7 +6135,7 @@
                 <a:cs typeface="Noto Sans"/>
                 <a:sym typeface="Noto Sans"/>
               </a:rPr>
-              <a:t> WAN </a:t>
+              <a:t> </a:t>
             </a:r>
             <a:r>
               <a:rPr lang="en-US" sz="3399" dirty="0" err="1">
@@ -7240,7 +6147,7 @@
                 <a:cs typeface="Noto Sans"/>
                 <a:sym typeface="Noto Sans"/>
               </a:rPr>
-              <a:t>mô</a:t>
+              <a:t>ổn</a:t>
             </a:r>
             <a:r>
               <a:rPr lang="en-US" sz="3399" dirty="0">
@@ -7264,7 +6171,7 @@
                 <a:cs typeface="Noto Sans"/>
                 <a:sym typeface="Noto Sans"/>
               </a:rPr>
-              <a:t>phỏng</a:t>
+              <a:t>định</a:t>
             </a:r>
             <a:endParaRPr lang="en-US" sz="3399" dirty="0">
               <a:solidFill>
@@ -7278,6 +6185,9 @@
           </a:p>
           <a:p>
             <a:pPr marL="824228" lvl="1" indent="-457200">
+              <a:lnSpc>
+                <a:spcPts val="5100"/>
+              </a:lnSpc>
               <a:spcBef>
                 <a:spcPts val="800"/>
               </a:spcBef>
@@ -7301,7 +6211,7 @@
                 <a:cs typeface="Noto Sans"/>
                 <a:sym typeface="Noto Sans"/>
               </a:rPr>
-              <a:t> Các </a:t>
+              <a:t> Liên </a:t>
             </a:r>
             <a:r>
               <a:rPr lang="en-US" sz="3399" dirty="0" err="1">
@@ -7313,175 +6223,127 @@
                 <a:cs typeface="Noto Sans"/>
                 <a:sym typeface="Noto Sans"/>
               </a:rPr>
+              <a:t>lạc</a:t>
+            </a:r>
+            <a:r>
+              <a:rPr lang="en-US" sz="3399" dirty="0">
+                <a:solidFill>
+                  <a:srgbClr val="000000"/>
+                </a:solidFill>
+                <a:latin typeface="Noto Sans"/>
+                <a:ea typeface="Noto Sans"/>
+                <a:cs typeface="Noto Sans"/>
+                <a:sym typeface="Noto Sans"/>
+              </a:rPr>
+              <a:t> </a:t>
+            </a:r>
+            <a:r>
+              <a:rPr lang="en-US" sz="3399" dirty="0" err="1">
+                <a:solidFill>
+                  <a:srgbClr val="000000"/>
+                </a:solidFill>
+                <a:latin typeface="Noto Sans"/>
+                <a:ea typeface="Noto Sans"/>
+                <a:cs typeface="Noto Sans"/>
+                <a:sym typeface="Noto Sans"/>
+              </a:rPr>
+              <a:t>trên</a:t>
+            </a:r>
+            <a:r>
+              <a:rPr lang="en-US" sz="3399" dirty="0">
+                <a:solidFill>
+                  <a:srgbClr val="000000"/>
+                </a:solidFill>
+                <a:latin typeface="Noto Sans"/>
+                <a:ea typeface="Noto Sans"/>
+                <a:cs typeface="Noto Sans"/>
+                <a:sym typeface="Noto Sans"/>
+              </a:rPr>
+              <a:t> </a:t>
+            </a:r>
+            <a:r>
+              <a:rPr lang="en-US" sz="3399" dirty="0" err="1">
+                <a:solidFill>
+                  <a:srgbClr val="000000"/>
+                </a:solidFill>
+                <a:latin typeface="Noto Sans"/>
+                <a:ea typeface="Noto Sans"/>
+                <a:cs typeface="Noto Sans"/>
+                <a:sym typeface="Noto Sans"/>
+              </a:rPr>
+              <a:t>toàn</a:t>
+            </a:r>
+            <a:r>
+              <a:rPr lang="en-US" sz="3399" dirty="0">
+                <a:solidFill>
+                  <a:srgbClr val="000000"/>
+                </a:solidFill>
+                <a:latin typeface="Noto Sans"/>
+                <a:ea typeface="Noto Sans"/>
+                <a:cs typeface="Noto Sans"/>
+                <a:sym typeface="Noto Sans"/>
+              </a:rPr>
+              <a:t> </a:t>
+            </a:r>
+            <a:r>
+              <a:rPr lang="en-US" sz="3399" dirty="0" err="1">
+                <a:solidFill>
+                  <a:srgbClr val="000000"/>
+                </a:solidFill>
+                <a:latin typeface="Noto Sans"/>
+                <a:ea typeface="Noto Sans"/>
+                <a:cs typeface="Noto Sans"/>
+                <a:sym typeface="Noto Sans"/>
+              </a:rPr>
+              <a:t>mạng</a:t>
+            </a:r>
+            <a:r>
+              <a:rPr lang="en-US" sz="3399" dirty="0">
+                <a:solidFill>
+                  <a:srgbClr val="000000"/>
+                </a:solidFill>
+                <a:latin typeface="Noto Sans"/>
+                <a:ea typeface="Noto Sans"/>
+                <a:cs typeface="Noto Sans"/>
+                <a:sym typeface="Noto Sans"/>
+              </a:rPr>
+              <a:t> </a:t>
+            </a:r>
+            <a:r>
+              <a:rPr lang="en-US" sz="3399" dirty="0" err="1">
+                <a:solidFill>
+                  <a:srgbClr val="000000"/>
+                </a:solidFill>
+                <a:latin typeface="Noto Sans"/>
+                <a:ea typeface="Noto Sans"/>
+                <a:cs typeface="Noto Sans"/>
+                <a:sym typeface="Noto Sans"/>
+              </a:rPr>
+              <a:t>thành</a:t>
+            </a:r>
+            <a:r>
+              <a:rPr lang="en-US" sz="3399" dirty="0">
+                <a:solidFill>
+                  <a:srgbClr val="000000"/>
+                </a:solidFill>
+                <a:latin typeface="Noto Sans"/>
+                <a:ea typeface="Noto Sans"/>
+                <a:cs typeface="Noto Sans"/>
+                <a:sym typeface="Noto Sans"/>
+              </a:rPr>
+              <a:t> </a:t>
+            </a:r>
+            <a:r>
+              <a:rPr lang="en-US" sz="3399" dirty="0" err="1">
+                <a:solidFill>
+                  <a:srgbClr val="000000"/>
+                </a:solidFill>
+                <a:latin typeface="Noto Sans"/>
+                <a:ea typeface="Noto Sans"/>
+                <a:cs typeface="Noto Sans"/>
+                <a:sym typeface="Noto Sans"/>
+              </a:rPr>
               <a:t>công</a:t>
-            </a:r>
-            <a:r>
-              <a:rPr lang="en-US" sz="3399" dirty="0">
-                <a:solidFill>
-                  <a:srgbClr val="000000"/>
-                </a:solidFill>
-                <a:latin typeface="Noto Sans"/>
-                <a:ea typeface="Noto Sans"/>
-                <a:cs typeface="Noto Sans"/>
-                <a:sym typeface="Noto Sans"/>
-              </a:rPr>
-              <a:t> </a:t>
-            </a:r>
-            <a:r>
-              <a:rPr lang="en-US" sz="3399" dirty="0" err="1">
-                <a:solidFill>
-                  <a:srgbClr val="000000"/>
-                </a:solidFill>
-                <a:latin typeface="Noto Sans"/>
-                <a:ea typeface="Noto Sans"/>
-                <a:cs typeface="Noto Sans"/>
-                <a:sym typeface="Noto Sans"/>
-              </a:rPr>
-              <a:t>nghệ</a:t>
-            </a:r>
-            <a:r>
-              <a:rPr lang="en-US" sz="3399" dirty="0">
-                <a:solidFill>
-                  <a:srgbClr val="000000"/>
-                </a:solidFill>
-                <a:latin typeface="Noto Sans"/>
-                <a:ea typeface="Noto Sans"/>
-                <a:cs typeface="Noto Sans"/>
-                <a:sym typeface="Noto Sans"/>
-              </a:rPr>
-              <a:t> </a:t>
-            </a:r>
-            <a:r>
-              <a:rPr lang="en-US" sz="3399" dirty="0" err="1">
-                <a:solidFill>
-                  <a:srgbClr val="000000"/>
-                </a:solidFill>
-                <a:latin typeface="Noto Sans"/>
-                <a:ea typeface="Noto Sans"/>
-                <a:cs typeface="Noto Sans"/>
-                <a:sym typeface="Noto Sans"/>
-              </a:rPr>
-              <a:t>áp</a:t>
-            </a:r>
-            <a:r>
-              <a:rPr lang="en-US" sz="3399" dirty="0">
-                <a:solidFill>
-                  <a:srgbClr val="000000"/>
-                </a:solidFill>
-                <a:latin typeface="Noto Sans"/>
-                <a:ea typeface="Noto Sans"/>
-                <a:cs typeface="Noto Sans"/>
-                <a:sym typeface="Noto Sans"/>
-              </a:rPr>
-              <a:t> </a:t>
-            </a:r>
-            <a:r>
-              <a:rPr lang="en-US" sz="3399" dirty="0" err="1">
-                <a:solidFill>
-                  <a:srgbClr val="000000"/>
-                </a:solidFill>
-                <a:latin typeface="Noto Sans"/>
-                <a:ea typeface="Noto Sans"/>
-                <a:cs typeface="Noto Sans"/>
-                <a:sym typeface="Noto Sans"/>
-              </a:rPr>
-              <a:t>dụng</a:t>
-            </a:r>
-            <a:r>
-              <a:rPr lang="en-US" sz="3399" dirty="0">
-                <a:solidFill>
-                  <a:srgbClr val="000000"/>
-                </a:solidFill>
-                <a:latin typeface="Noto Sans"/>
-                <a:ea typeface="Noto Sans"/>
-                <a:cs typeface="Noto Sans"/>
-                <a:sym typeface="Noto Sans"/>
-              </a:rPr>
-              <a:t> </a:t>
-            </a:r>
-            <a:r>
-              <a:rPr lang="en-US" sz="3399" dirty="0" err="1">
-                <a:solidFill>
-                  <a:srgbClr val="000000"/>
-                </a:solidFill>
-                <a:latin typeface="Noto Sans"/>
-                <a:ea typeface="Noto Sans"/>
-                <a:cs typeface="Noto Sans"/>
-                <a:sym typeface="Noto Sans"/>
-              </a:rPr>
-              <a:t>hoạt</a:t>
-            </a:r>
-            <a:r>
-              <a:rPr lang="en-US" sz="3399" dirty="0">
-                <a:solidFill>
-                  <a:srgbClr val="000000"/>
-                </a:solidFill>
-                <a:latin typeface="Noto Sans"/>
-                <a:ea typeface="Noto Sans"/>
-                <a:cs typeface="Noto Sans"/>
-                <a:sym typeface="Noto Sans"/>
-              </a:rPr>
-              <a:t> </a:t>
-            </a:r>
-            <a:r>
-              <a:rPr lang="en-US" sz="3399" dirty="0" err="1">
-                <a:solidFill>
-                  <a:srgbClr val="000000"/>
-                </a:solidFill>
-                <a:latin typeface="Noto Sans"/>
-                <a:ea typeface="Noto Sans"/>
-                <a:cs typeface="Noto Sans"/>
-                <a:sym typeface="Noto Sans"/>
-              </a:rPr>
-              <a:t>động</a:t>
-            </a:r>
-            <a:r>
-              <a:rPr lang="en-US" sz="3399" dirty="0">
-                <a:solidFill>
-                  <a:srgbClr val="000000"/>
-                </a:solidFill>
-                <a:latin typeface="Noto Sans"/>
-                <a:ea typeface="Noto Sans"/>
-                <a:cs typeface="Noto Sans"/>
-                <a:sym typeface="Noto Sans"/>
-              </a:rPr>
-              <a:t> </a:t>
-            </a:r>
-            <a:r>
-              <a:rPr lang="en-US" sz="3399" dirty="0" err="1">
-                <a:solidFill>
-                  <a:srgbClr val="000000"/>
-                </a:solidFill>
-                <a:latin typeface="Noto Sans"/>
-                <a:ea typeface="Noto Sans"/>
-                <a:cs typeface="Noto Sans"/>
-                <a:sym typeface="Noto Sans"/>
-              </a:rPr>
-              <a:t>ổn</a:t>
-            </a:r>
-            <a:r>
-              <a:rPr lang="en-US" sz="3399" dirty="0">
-                <a:solidFill>
-                  <a:srgbClr val="000000"/>
-                </a:solidFill>
-                <a:latin typeface="Noto Sans"/>
-                <a:ea typeface="Noto Sans"/>
-                <a:cs typeface="Noto Sans"/>
-                <a:sym typeface="Noto Sans"/>
-              </a:rPr>
-              <a:t> </a:t>
-            </a:r>
-            <a:r>
-              <a:rPr lang="en-US" sz="3399" dirty="0" err="1">
-                <a:solidFill>
-                  <a:srgbClr val="000000"/>
-                </a:solidFill>
-                <a:latin typeface="Noto Sans"/>
-                <a:ea typeface="Noto Sans"/>
-                <a:cs typeface="Noto Sans"/>
-                <a:sym typeface="Noto Sans"/>
-              </a:rPr>
-              <a:t>định</a:t>
             </a:r>
             <a:endParaRPr lang="en-US" sz="3399" dirty="0">
               <a:solidFill>
@@ -7495,6 +6357,9 @@
           </a:p>
           <a:p>
             <a:pPr marL="824228" lvl="1" indent="-457200">
+              <a:lnSpc>
+                <a:spcPts val="5100"/>
+              </a:lnSpc>
               <a:spcBef>
                 <a:spcPts val="800"/>
               </a:spcBef>
@@ -7518,7 +6383,7 @@
                 <a:cs typeface="Noto Sans"/>
                 <a:sym typeface="Noto Sans"/>
               </a:rPr>
-              <a:t> Liên </a:t>
+              <a:t> </a:t>
             </a:r>
             <a:r>
               <a:rPr lang="en-US" sz="3399" dirty="0" err="1">
@@ -7530,7 +6395,7 @@
                 <a:cs typeface="Noto Sans"/>
                 <a:sym typeface="Noto Sans"/>
               </a:rPr>
-              <a:t>lạc</a:t>
+              <a:t>Đảm</a:t>
             </a:r>
             <a:r>
               <a:rPr lang="en-US" sz="3399" dirty="0">
@@ -7554,7 +6419,7 @@
                 <a:cs typeface="Noto Sans"/>
                 <a:sym typeface="Noto Sans"/>
               </a:rPr>
-              <a:t>trên</a:t>
+              <a:t>bảo</a:t>
             </a:r>
             <a:r>
               <a:rPr lang="en-US" sz="3399" dirty="0">
@@ -7578,7 +6443,7 @@
                 <a:cs typeface="Noto Sans"/>
                 <a:sym typeface="Noto Sans"/>
               </a:rPr>
-              <a:t>toàn</a:t>
+              <a:t>hiệu</a:t>
             </a:r>
             <a:r>
               <a:rPr lang="en-US" sz="3399" dirty="0">
@@ -7602,7 +6467,7 @@
                 <a:cs typeface="Noto Sans"/>
                 <a:sym typeface="Noto Sans"/>
               </a:rPr>
-              <a:t>mạng</a:t>
+              <a:t>suất</a:t>
             </a:r>
             <a:r>
               <a:rPr lang="en-US" sz="3399" dirty="0">
@@ -7614,7 +6479,7 @@
                 <a:cs typeface="Noto Sans"/>
                 <a:sym typeface="Noto Sans"/>
               </a:rPr>
-              <a:t> </a:t>
+              <a:t> &amp; </a:t>
             </a:r>
             <a:r>
               <a:rPr lang="en-US" sz="3399" dirty="0" err="1">
@@ -7626,7 +6491,7 @@
                 <a:cs typeface="Noto Sans"/>
                 <a:sym typeface="Noto Sans"/>
               </a:rPr>
-              <a:t>thành</a:t>
+              <a:t>khả</a:t>
             </a:r>
             <a:r>
               <a:rPr lang="en-US" sz="3399" dirty="0">
@@ -7650,7 +6515,55 @@
                 <a:cs typeface="Noto Sans"/>
                 <a:sym typeface="Noto Sans"/>
               </a:rPr>
-              <a:t>công</a:t>
+              <a:t>năng</a:t>
+            </a:r>
+            <a:r>
+              <a:rPr lang="en-US" sz="3399" dirty="0">
+                <a:solidFill>
+                  <a:srgbClr val="000000"/>
+                </a:solidFill>
+                <a:latin typeface="Noto Sans"/>
+                <a:ea typeface="Noto Sans"/>
+                <a:cs typeface="Noto Sans"/>
+                <a:sym typeface="Noto Sans"/>
+              </a:rPr>
+              <a:t> </a:t>
+            </a:r>
+            <a:r>
+              <a:rPr lang="en-US" sz="3399" dirty="0" err="1">
+                <a:solidFill>
+                  <a:srgbClr val="000000"/>
+                </a:solidFill>
+                <a:latin typeface="Noto Sans"/>
+                <a:ea typeface="Noto Sans"/>
+                <a:cs typeface="Noto Sans"/>
+                <a:sym typeface="Noto Sans"/>
+              </a:rPr>
+              <a:t>dự</a:t>
+            </a:r>
+            <a:r>
+              <a:rPr lang="en-US" sz="3399" dirty="0">
+                <a:solidFill>
+                  <a:srgbClr val="000000"/>
+                </a:solidFill>
+                <a:latin typeface="Noto Sans"/>
+                <a:ea typeface="Noto Sans"/>
+                <a:cs typeface="Noto Sans"/>
+                <a:sym typeface="Noto Sans"/>
+              </a:rPr>
+              <a:t> </a:t>
+            </a:r>
+            <a:r>
+              <a:rPr lang="en-US" sz="3399" dirty="0" err="1">
+                <a:solidFill>
+                  <a:srgbClr val="000000"/>
+                </a:solidFill>
+                <a:latin typeface="Noto Sans"/>
+                <a:ea typeface="Noto Sans"/>
+                <a:cs typeface="Noto Sans"/>
+                <a:sym typeface="Noto Sans"/>
+              </a:rPr>
+              <a:t>phòng</a:t>
             </a:r>
             <a:endParaRPr lang="en-US" sz="3399" dirty="0">
               <a:solidFill>
@@ -7662,223 +6575,6 @@
               <a:sym typeface="Noto Sans"/>
             </a:endParaRPr>
           </a:p>
-          <a:p>
-            <a:pPr marL="824228" lvl="1" indent="-457200">
-              <a:spcBef>
-                <a:spcPts val="800"/>
-              </a:spcBef>
-              <a:spcAft>
-                <a:spcPts val="800"/>
-              </a:spcAft>
-              <a:buClr>
-                <a:schemeClr val="accent1"/>
-              </a:buClr>
-              <a:buSzPct val="120000"/>
-              <a:buFont typeface="Wingdings" panose="05000000000000000000" pitchFamily="2" charset="2"/>
-              <a:buChar char="Ø"/>
-            </a:pPr>
-            <a:r>
-              <a:rPr lang="en-US" sz="3399" dirty="0">
-                <a:solidFill>
-                  <a:srgbClr val="000000"/>
-                </a:solidFill>
-                <a:latin typeface="Noto Sans"/>
-                <a:ea typeface="Noto Sans"/>
-                <a:cs typeface="Noto Sans"/>
-                <a:sym typeface="Noto Sans"/>
-              </a:rPr>
-              <a:t> </a:t>
-            </a:r>
-            <a:r>
-              <a:rPr lang="en-US" sz="3399" dirty="0" err="1">
-                <a:solidFill>
-                  <a:srgbClr val="000000"/>
-                </a:solidFill>
-                <a:latin typeface="Noto Sans"/>
-                <a:ea typeface="Noto Sans"/>
-                <a:cs typeface="Noto Sans"/>
-                <a:sym typeface="Noto Sans"/>
-              </a:rPr>
-              <a:t>Đảm</a:t>
-            </a:r>
-            <a:r>
-              <a:rPr lang="en-US" sz="3399" dirty="0">
-                <a:solidFill>
-                  <a:srgbClr val="000000"/>
-                </a:solidFill>
-                <a:latin typeface="Noto Sans"/>
-                <a:ea typeface="Noto Sans"/>
-                <a:cs typeface="Noto Sans"/>
-                <a:sym typeface="Noto Sans"/>
-              </a:rPr>
-              <a:t> </a:t>
-            </a:r>
-            <a:r>
-              <a:rPr lang="en-US" sz="3399" dirty="0" err="1">
-                <a:solidFill>
-                  <a:srgbClr val="000000"/>
-                </a:solidFill>
-                <a:latin typeface="Noto Sans"/>
-                <a:ea typeface="Noto Sans"/>
-                <a:cs typeface="Noto Sans"/>
-                <a:sym typeface="Noto Sans"/>
-              </a:rPr>
-              <a:t>bảo</a:t>
-            </a:r>
-            <a:r>
-              <a:rPr lang="en-US" sz="3399" dirty="0">
-                <a:solidFill>
-                  <a:srgbClr val="000000"/>
-                </a:solidFill>
-                <a:latin typeface="Noto Sans"/>
-                <a:ea typeface="Noto Sans"/>
-                <a:cs typeface="Noto Sans"/>
-                <a:sym typeface="Noto Sans"/>
-              </a:rPr>
-              <a:t> </a:t>
-            </a:r>
-            <a:r>
-              <a:rPr lang="en-US" sz="3399" dirty="0" err="1">
-                <a:solidFill>
-                  <a:srgbClr val="000000"/>
-                </a:solidFill>
-                <a:latin typeface="Noto Sans"/>
-                <a:ea typeface="Noto Sans"/>
-                <a:cs typeface="Noto Sans"/>
-                <a:sym typeface="Noto Sans"/>
-              </a:rPr>
-              <a:t>hiệu</a:t>
-            </a:r>
-            <a:r>
-              <a:rPr lang="en-US" sz="3399" dirty="0">
-                <a:solidFill>
-                  <a:srgbClr val="000000"/>
-                </a:solidFill>
-                <a:latin typeface="Noto Sans"/>
-                <a:ea typeface="Noto Sans"/>
-                <a:cs typeface="Noto Sans"/>
-                <a:sym typeface="Noto Sans"/>
-              </a:rPr>
-              <a:t> </a:t>
-            </a:r>
-            <a:r>
-              <a:rPr lang="en-US" sz="3399" dirty="0" err="1">
-                <a:solidFill>
-                  <a:srgbClr val="000000"/>
-                </a:solidFill>
-                <a:latin typeface="Noto Sans"/>
-                <a:ea typeface="Noto Sans"/>
-                <a:cs typeface="Noto Sans"/>
-                <a:sym typeface="Noto Sans"/>
-              </a:rPr>
-              <a:t>suất</a:t>
-            </a:r>
-            <a:r>
-              <a:rPr lang="en-US" sz="3399" dirty="0">
-                <a:solidFill>
-                  <a:srgbClr val="000000"/>
-                </a:solidFill>
-                <a:latin typeface="Noto Sans"/>
-                <a:ea typeface="Noto Sans"/>
-                <a:cs typeface="Noto Sans"/>
-                <a:sym typeface="Noto Sans"/>
-              </a:rPr>
-              <a:t> &amp; </a:t>
-            </a:r>
-            <a:r>
-              <a:rPr lang="en-US" sz="3399" dirty="0" err="1">
-                <a:solidFill>
-                  <a:srgbClr val="000000"/>
-                </a:solidFill>
-                <a:latin typeface="Noto Sans"/>
-                <a:ea typeface="Noto Sans"/>
-                <a:cs typeface="Noto Sans"/>
-                <a:sym typeface="Noto Sans"/>
-              </a:rPr>
-              <a:t>khả</a:t>
-            </a:r>
-            <a:r>
-              <a:rPr lang="en-US" sz="3399" dirty="0">
-                <a:solidFill>
-                  <a:srgbClr val="000000"/>
-                </a:solidFill>
-                <a:latin typeface="Noto Sans"/>
-                <a:ea typeface="Noto Sans"/>
-                <a:cs typeface="Noto Sans"/>
-                <a:sym typeface="Noto Sans"/>
-              </a:rPr>
-              <a:t> </a:t>
-            </a:r>
-            <a:r>
-              <a:rPr lang="en-US" sz="3399" dirty="0" err="1">
-                <a:solidFill>
-                  <a:srgbClr val="000000"/>
-                </a:solidFill>
-                <a:latin typeface="Noto Sans"/>
-                <a:ea typeface="Noto Sans"/>
-                <a:cs typeface="Noto Sans"/>
-                <a:sym typeface="Noto Sans"/>
-              </a:rPr>
-              <a:t>năng</a:t>
-            </a:r>
-            <a:r>
-              <a:rPr lang="en-US" sz="3399" dirty="0">
-                <a:solidFill>
-                  <a:srgbClr val="000000"/>
-                </a:solidFill>
-                <a:latin typeface="Noto Sans"/>
-                <a:ea typeface="Noto Sans"/>
-                <a:cs typeface="Noto Sans"/>
-                <a:sym typeface="Noto Sans"/>
-              </a:rPr>
-              <a:t> </a:t>
-            </a:r>
-            <a:r>
-              <a:rPr lang="en-US" sz="3399" dirty="0" err="1">
-                <a:solidFill>
-                  <a:srgbClr val="000000"/>
-                </a:solidFill>
-                <a:latin typeface="Noto Sans"/>
-                <a:ea typeface="Noto Sans"/>
-                <a:cs typeface="Noto Sans"/>
-                <a:sym typeface="Noto Sans"/>
-              </a:rPr>
-              <a:t>dự</a:t>
-            </a:r>
-            <a:r>
-              <a:rPr lang="en-US" sz="3399" dirty="0">
-                <a:solidFill>
-                  <a:srgbClr val="000000"/>
-                </a:solidFill>
-                <a:latin typeface="Noto Sans"/>
-                <a:ea typeface="Noto Sans"/>
-                <a:cs typeface="Noto Sans"/>
-                <a:sym typeface="Noto Sans"/>
-              </a:rPr>
-              <a:t> </a:t>
-            </a:r>
-            <a:r>
-              <a:rPr lang="en-US" sz="3399" dirty="0" err="1">
-                <a:solidFill>
-                  <a:srgbClr val="000000"/>
-                </a:solidFill>
-                <a:latin typeface="Noto Sans"/>
-                <a:ea typeface="Noto Sans"/>
-                <a:cs typeface="Noto Sans"/>
-                <a:sym typeface="Noto Sans"/>
-              </a:rPr>
-              <a:t>phòng</a:t>
-            </a:r>
-            <a:endParaRPr lang="en-US" sz="3399" dirty="0">
-              <a:solidFill>
-                <a:srgbClr val="000000"/>
-              </a:solidFill>
-              <a:latin typeface="Noto Sans"/>
-              <a:ea typeface="Noto Sans"/>
-              <a:cs typeface="Noto Sans"/>
-              <a:sym typeface="Noto Sans"/>
-            </a:endParaRPr>
-          </a:p>
         </p:txBody>
       </p:sp>
       <p:sp>
@@ -7889,7 +6585,7 @@
         </p:nvSpPr>
         <p:spPr>
           <a:xfrm>
-            <a:off x="7035273" y="11377734"/>
+            <a:off x="7065871" y="11637177"/>
             <a:ext cx="7865070" cy="1005205"/>
           </a:xfrm>
           <a:prstGeom prst="rect">
@@ -7933,7 +6629,7 @@
         </p:nvSpPr>
         <p:spPr>
           <a:xfrm>
-            <a:off x="16450399" y="13033424"/>
+            <a:off x="1938658" y="14094752"/>
             <a:ext cx="3712007" cy="2429664"/>
           </a:xfrm>
           <a:custGeom>
@@ -7964,7 +6660,7 @@
             </a:pathLst>
           </a:custGeom>
           <a:blipFill>
-            <a:blip r:embed="rId5"/>
+            <a:blip r:embed="rId4"/>
             <a:stretch>
               <a:fillRect/>
             </a:stretch>
@@ -7979,7 +6675,7 @@
         </p:nvSpPr>
         <p:spPr>
           <a:xfrm>
-            <a:off x="15845403" y="12170391"/>
+            <a:off x="1333662" y="13231719"/>
             <a:ext cx="4678262" cy="708977"/>
           </a:xfrm>
           <a:prstGeom prst="rect">
@@ -8092,7 +6788,7 @@
         </p:nvSpPr>
         <p:spPr>
           <a:xfrm>
-            <a:off x="13466301" y="24423766"/>
+            <a:off x="8740078" y="24241146"/>
             <a:ext cx="6459443" cy="863600"/>
           </a:xfrm>
           <a:prstGeom prst="rect">
@@ -8193,7 +6889,7 @@
         </p:nvSpPr>
         <p:spPr>
           <a:xfrm>
-            <a:off x="13140596" y="25364394"/>
+            <a:off x="8414373" y="25181774"/>
             <a:ext cx="7383069" cy="2709396"/>
           </a:xfrm>
           <a:prstGeom prst="rect">
@@ -8756,6 +7452,36 @@
             <a:extLst>
               <a:ext uri="{FF2B5EF4-FFF2-40B4-BE49-F238E27FC236}">
                 <a16:creationId xmlns:a16="http://schemas.microsoft.com/office/drawing/2014/main" id="{9C3932BC-37BC-C6C1-F40D-88E305A630CE}"/>
+              </a:ext>
+            </a:extLst>
+          </p:cNvPr>
+          <p:cNvPicPr>
+            <a:picLocks noChangeAspect="1"/>
+          </p:cNvPicPr>
+          <p:nvPr/>
+        </p:nvPicPr>
+        <p:blipFill>
+          <a:blip r:embed="rId5"/>
+          <a:stretch>
+            <a:fillRect/>
+          </a:stretch>
+        </p:blipFill>
+        <p:spPr>
+          <a:xfrm>
+            <a:off x="14577152" y="13701898"/>
+            <a:ext cx="6403518" cy="8774287"/>
+          </a:xfrm>
+          <a:prstGeom prst="rect">
+            <a:avLst/>
+          </a:prstGeom>
+        </p:spPr>
+      </p:pic>
+      <p:pic>
+        <p:nvPicPr>
+          <p:cNvPr id="14" name="Picture 13">
+            <a:extLst>
+              <a:ext uri="{FF2B5EF4-FFF2-40B4-BE49-F238E27FC236}">
+                <a16:creationId xmlns:a16="http://schemas.microsoft.com/office/drawing/2014/main" id="{62788ED6-DA7D-615C-6EA4-1816305F005B}"/>
               </a:ext>
             </a:extLst>
           </p:cNvPr>
@@ -8772,8 +7498,8 @@
         </p:blipFill>
         <p:spPr>
           <a:xfrm>
-            <a:off x="222176" y="13177138"/>
-            <a:ext cx="7077438" cy="9697711"/>
+            <a:off x="7034765" y="12929331"/>
+            <a:ext cx="7238721" cy="10899448"/>
           </a:xfrm>
           <a:prstGeom prst="rect">
             <a:avLst/>
